--- a/vue流程.pptx
+++ b/vue流程.pptx
@@ -5,11 +5,10 @@
     <p:sldMasterId id="2147483648" r:id="rId1"/>
   </p:sldMasterIdLst>
   <p:sldIdLst>
-    <p:sldId id="256" r:id="rId2"/>
-    <p:sldId id="257" r:id="rId3"/>
-    <p:sldId id="258" r:id="rId4"/>
-    <p:sldId id="259" r:id="rId5"/>
-    <p:sldId id="260" r:id="rId6"/>
+    <p:sldId id="257" r:id="rId2"/>
+    <p:sldId id="258" r:id="rId3"/>
+    <p:sldId id="259" r:id="rId4"/>
+    <p:sldId id="260" r:id="rId5"/>
   </p:sldIdLst>
   <p:sldSz cx="12192000" cy="6858000"/>
   <p:notesSz cx="6858000" cy="9144000"/>
@@ -746,7 +745,7 @@
           <a:p>
             <a:fld id="{8E326355-B44C-470A-B215-19A5688027BE}" type="datetimeFigureOut">
               <a:rPr lang="en-US" smtClean="0"/>
-              <a:t>9/10/2023</a:t>
+              <a:t>10/2/2023</a:t>
             </a:fld>
             <a:endParaRPr lang="en-US"/>
           </a:p>
@@ -944,7 +943,7 @@
           <a:p>
             <a:fld id="{8E326355-B44C-470A-B215-19A5688027BE}" type="datetimeFigureOut">
               <a:rPr lang="en-US" smtClean="0"/>
-              <a:t>9/10/2023</a:t>
+              <a:t>10/2/2023</a:t>
             </a:fld>
             <a:endParaRPr lang="en-US"/>
           </a:p>
@@ -1152,7 +1151,7 @@
           <a:p>
             <a:fld id="{8E326355-B44C-470A-B215-19A5688027BE}" type="datetimeFigureOut">
               <a:rPr lang="en-US" smtClean="0"/>
-              <a:t>9/10/2023</a:t>
+              <a:t>10/2/2023</a:t>
             </a:fld>
             <a:endParaRPr lang="en-US"/>
           </a:p>
@@ -1350,7 +1349,7 @@
           <a:p>
             <a:fld id="{8E326355-B44C-470A-B215-19A5688027BE}" type="datetimeFigureOut">
               <a:rPr lang="en-US" smtClean="0"/>
-              <a:t>9/10/2023</a:t>
+              <a:t>10/2/2023</a:t>
             </a:fld>
             <a:endParaRPr lang="en-US"/>
           </a:p>
@@ -1625,7 +1624,7 @@
           <a:p>
             <a:fld id="{8E326355-B44C-470A-B215-19A5688027BE}" type="datetimeFigureOut">
               <a:rPr lang="en-US" smtClean="0"/>
-              <a:t>9/10/2023</a:t>
+              <a:t>10/2/2023</a:t>
             </a:fld>
             <a:endParaRPr lang="en-US"/>
           </a:p>
@@ -1890,7 +1889,7 @@
           <a:p>
             <a:fld id="{8E326355-B44C-470A-B215-19A5688027BE}" type="datetimeFigureOut">
               <a:rPr lang="en-US" smtClean="0"/>
-              <a:t>9/10/2023</a:t>
+              <a:t>10/2/2023</a:t>
             </a:fld>
             <a:endParaRPr lang="en-US"/>
           </a:p>
@@ -2302,7 +2301,7 @@
           <a:p>
             <a:fld id="{8E326355-B44C-470A-B215-19A5688027BE}" type="datetimeFigureOut">
               <a:rPr lang="en-US" smtClean="0"/>
-              <a:t>9/10/2023</a:t>
+              <a:t>10/2/2023</a:t>
             </a:fld>
             <a:endParaRPr lang="en-US"/>
           </a:p>
@@ -2443,7 +2442,7 @@
           <a:p>
             <a:fld id="{8E326355-B44C-470A-B215-19A5688027BE}" type="datetimeFigureOut">
               <a:rPr lang="en-US" smtClean="0"/>
-              <a:t>9/10/2023</a:t>
+              <a:t>10/2/2023</a:t>
             </a:fld>
             <a:endParaRPr lang="en-US"/>
           </a:p>
@@ -2556,7 +2555,7 @@
           <a:p>
             <a:fld id="{8E326355-B44C-470A-B215-19A5688027BE}" type="datetimeFigureOut">
               <a:rPr lang="en-US" smtClean="0"/>
-              <a:t>9/10/2023</a:t>
+              <a:t>10/2/2023</a:t>
             </a:fld>
             <a:endParaRPr lang="en-US"/>
           </a:p>
@@ -2867,7 +2866,7 @@
           <a:p>
             <a:fld id="{8E326355-B44C-470A-B215-19A5688027BE}" type="datetimeFigureOut">
               <a:rPr lang="en-US" smtClean="0"/>
-              <a:t>9/10/2023</a:t>
+              <a:t>10/2/2023</a:t>
             </a:fld>
             <a:endParaRPr lang="en-US"/>
           </a:p>
@@ -3155,7 +3154,7 @@
           <a:p>
             <a:fld id="{8E326355-B44C-470A-B215-19A5688027BE}" type="datetimeFigureOut">
               <a:rPr lang="en-US" smtClean="0"/>
-              <a:t>9/10/2023</a:t>
+              <a:t>10/2/2023</a:t>
             </a:fld>
             <a:endParaRPr lang="en-US"/>
           </a:p>
@@ -3396,7 +3395,7 @@
           <a:p>
             <a:fld id="{8E326355-B44C-470A-B215-19A5688027BE}" type="datetimeFigureOut">
               <a:rPr lang="en-US" smtClean="0"/>
-              <a:t>9/10/2023</a:t>
+              <a:t>10/2/2023</a:t>
             </a:fld>
             <a:endParaRPr lang="en-US"/>
           </a:p>
@@ -3818,7 +3817,7 @@
           <p:cNvPr id="2" name="Title 1">
             <a:extLst>
               <a:ext uri="{FF2B5EF4-FFF2-40B4-BE49-F238E27FC236}">
-                <a16:creationId xmlns:a16="http://schemas.microsoft.com/office/drawing/2014/main" id="{DFF66D13-9683-4334-BE5F-544AD55BAD55}"/>
+                <a16:creationId xmlns:a16="http://schemas.microsoft.com/office/drawing/2014/main" id="{2FF1E49E-B636-43FF-88FB-EEC9971C3B90}"/>
               </a:ext>
             </a:extLst>
           </p:cNvPr>
@@ -3826,7 +3825,7 @@
             <a:spLocks noGrp="1"/>
           </p:cNvSpPr>
           <p:nvPr>
-            <p:ph type="ctrTitle"/>
+            <p:ph type="title"/>
           </p:nvPr>
         </p:nvSpPr>
         <p:spPr/>
@@ -3834,39 +3833,548 @@
           <a:bodyPr/>
           <a:lstStyle/>
           <a:p>
+            <a:r>
+              <a:rPr lang="zh-CN" altLang="en-US" dirty="0"/>
+              <a:t>到目前爲止的</a:t>
+            </a:r>
+            <a:r>
+              <a:rPr lang="en-US" altLang="zh-CN" dirty="0"/>
+              <a:t>Vue</a:t>
+            </a:r>
+            <a:r>
+              <a:rPr lang="zh-CN" altLang="en-US" dirty="0"/>
+              <a:t>的流程</a:t>
+            </a:r>
+            <a:endParaRPr lang="en-US" dirty="0"/>
+          </a:p>
+        </p:txBody>
+      </p:sp>
+      <p:sp>
+        <p:nvSpPr>
+          <p:cNvPr id="7" name="Rectangle: Rounded Corners 6">
+            <a:extLst>
+              <a:ext uri="{FF2B5EF4-FFF2-40B4-BE49-F238E27FC236}">
+                <a16:creationId xmlns:a16="http://schemas.microsoft.com/office/drawing/2014/main" id="{BF8972C0-302A-4389-8946-EB318183B9D0}"/>
+              </a:ext>
+            </a:extLst>
+          </p:cNvPr>
+          <p:cNvSpPr/>
+          <p:nvPr/>
+        </p:nvSpPr>
+        <p:spPr>
+          <a:xfrm>
+            <a:off x="2110408" y="2680726"/>
+            <a:ext cx="1556183" cy="670181"/>
+          </a:xfrm>
+          <a:prstGeom prst="roundRect">
+            <a:avLst/>
+          </a:prstGeom>
+        </p:spPr>
+        <p:style>
+          <a:lnRef idx="2">
+            <a:schemeClr val="accent1"/>
+          </a:lnRef>
+          <a:fillRef idx="1">
+            <a:schemeClr val="lt1"/>
+          </a:fillRef>
+          <a:effectRef idx="0">
+            <a:schemeClr val="accent1"/>
+          </a:effectRef>
+          <a:fontRef idx="minor">
+            <a:schemeClr val="dk1"/>
+          </a:fontRef>
+        </p:style>
+        <p:txBody>
+          <a:bodyPr rtlCol="0" anchor="ctr"/>
+          <a:lstStyle/>
+          <a:p>
+            <a:pPr algn="ctr"/>
+            <a:r>
+              <a:rPr lang="zh-CN" altLang="en-US" dirty="0"/>
+              <a:t>用戶輸入網址</a:t>
+            </a:r>
+            <a:endParaRPr lang="en-US" dirty="0"/>
+          </a:p>
+        </p:txBody>
+      </p:sp>
+      <p:sp>
+        <p:nvSpPr>
+          <p:cNvPr id="8" name="Arrow: Right 7">
+            <a:extLst>
+              <a:ext uri="{FF2B5EF4-FFF2-40B4-BE49-F238E27FC236}">
+                <a16:creationId xmlns:a16="http://schemas.microsoft.com/office/drawing/2014/main" id="{B50526BC-6B14-4E57-AF7B-2B28CC7607DE}"/>
+              </a:ext>
+            </a:extLst>
+          </p:cNvPr>
+          <p:cNvSpPr/>
+          <p:nvPr/>
+        </p:nvSpPr>
+        <p:spPr>
+          <a:xfrm>
+            <a:off x="3737112" y="2902225"/>
+            <a:ext cx="579310" cy="227181"/>
+          </a:xfrm>
+          <a:prstGeom prst="rightArrow">
+            <a:avLst/>
+          </a:prstGeom>
+        </p:spPr>
+        <p:style>
+          <a:lnRef idx="2">
+            <a:schemeClr val="accent1">
+              <a:shade val="50000"/>
+            </a:schemeClr>
+          </a:lnRef>
+          <a:fillRef idx="1">
+            <a:schemeClr val="accent1"/>
+          </a:fillRef>
+          <a:effectRef idx="0">
+            <a:schemeClr val="accent1"/>
+          </a:effectRef>
+          <a:fontRef idx="minor">
+            <a:schemeClr val="lt1"/>
+          </a:fontRef>
+        </p:style>
+        <p:txBody>
+          <a:bodyPr rtlCol="0" anchor="ctr"/>
+          <a:lstStyle/>
+          <a:p>
+            <a:pPr algn="ctr"/>
             <a:endParaRPr lang="en-US"/>
           </a:p>
         </p:txBody>
       </p:sp>
       <p:sp>
         <p:nvSpPr>
-          <p:cNvPr id="3" name="Subtitle 2">
-            <a:extLst>
-              <a:ext uri="{FF2B5EF4-FFF2-40B4-BE49-F238E27FC236}">
-                <a16:creationId xmlns:a16="http://schemas.microsoft.com/office/drawing/2014/main" id="{3699D321-7B5D-4423-BB8D-11B6A4CD4234}"/>
-              </a:ext>
-            </a:extLst>
-          </p:cNvPr>
-          <p:cNvSpPr>
-            <a:spLocks noGrp="1"/>
-          </p:cNvSpPr>
-          <p:nvPr>
-            <p:ph type="subTitle" idx="1"/>
-          </p:nvPr>
-        </p:nvSpPr>
-        <p:spPr/>
-        <p:txBody>
-          <a:bodyPr/>
-          <a:lstStyle/>
-          <a:p>
+          <p:cNvPr id="9" name="Rectangle: Rounded Corners 8">
+            <a:extLst>
+              <a:ext uri="{FF2B5EF4-FFF2-40B4-BE49-F238E27FC236}">
+                <a16:creationId xmlns:a16="http://schemas.microsoft.com/office/drawing/2014/main" id="{563D1F5C-B43D-438B-9112-A261FB340548}"/>
+              </a:ext>
+            </a:extLst>
+          </p:cNvPr>
+          <p:cNvSpPr/>
+          <p:nvPr/>
+        </p:nvSpPr>
+        <p:spPr>
+          <a:xfrm>
+            <a:off x="4444683" y="2628664"/>
+            <a:ext cx="1556183" cy="670181"/>
+          </a:xfrm>
+          <a:prstGeom prst="roundRect">
+            <a:avLst/>
+          </a:prstGeom>
+        </p:spPr>
+        <p:style>
+          <a:lnRef idx="2">
+            <a:schemeClr val="accent1"/>
+          </a:lnRef>
+          <a:fillRef idx="1">
+            <a:schemeClr val="lt1"/>
+          </a:fillRef>
+          <a:effectRef idx="0">
+            <a:schemeClr val="accent1"/>
+          </a:effectRef>
+          <a:fontRef idx="minor">
+            <a:schemeClr val="dk1"/>
+          </a:fontRef>
+        </p:style>
+        <p:txBody>
+          <a:bodyPr rtlCol="0" anchor="ctr"/>
+          <a:lstStyle/>
+          <a:p>
+            <a:pPr algn="ctr"/>
+            <a:r>
+              <a:rPr lang="en-US" altLang="zh-CN" dirty="0"/>
+              <a:t>index.html</a:t>
+            </a:r>
+            <a:endParaRPr lang="en-US" dirty="0"/>
+          </a:p>
+        </p:txBody>
+      </p:sp>
+      <p:sp>
+        <p:nvSpPr>
+          <p:cNvPr id="10" name="Arrow: Right 9">
+            <a:extLst>
+              <a:ext uri="{FF2B5EF4-FFF2-40B4-BE49-F238E27FC236}">
+                <a16:creationId xmlns:a16="http://schemas.microsoft.com/office/drawing/2014/main" id="{681F3184-B651-4C59-AC83-7049DA0CFCCB}"/>
+              </a:ext>
+            </a:extLst>
+          </p:cNvPr>
+          <p:cNvSpPr/>
+          <p:nvPr/>
+        </p:nvSpPr>
+        <p:spPr>
+          <a:xfrm>
+            <a:off x="6308980" y="2850163"/>
+            <a:ext cx="579310" cy="227181"/>
+          </a:xfrm>
+          <a:prstGeom prst="rightArrow">
+            <a:avLst/>
+          </a:prstGeom>
+        </p:spPr>
+        <p:style>
+          <a:lnRef idx="2">
+            <a:schemeClr val="accent1">
+              <a:shade val="50000"/>
+            </a:schemeClr>
+          </a:lnRef>
+          <a:fillRef idx="1">
+            <a:schemeClr val="accent1"/>
+          </a:fillRef>
+          <a:effectRef idx="0">
+            <a:schemeClr val="accent1"/>
+          </a:effectRef>
+          <a:fontRef idx="minor">
+            <a:schemeClr val="lt1"/>
+          </a:fontRef>
+        </p:style>
+        <p:txBody>
+          <a:bodyPr rtlCol="0" anchor="ctr"/>
+          <a:lstStyle/>
+          <a:p>
+            <a:pPr algn="ctr"/>
             <a:endParaRPr lang="en-US"/>
+          </a:p>
+        </p:txBody>
+      </p:sp>
+      <p:sp>
+        <p:nvSpPr>
+          <p:cNvPr id="11" name="Rectangle: Rounded Corners 10">
+            <a:extLst>
+              <a:ext uri="{FF2B5EF4-FFF2-40B4-BE49-F238E27FC236}">
+                <a16:creationId xmlns:a16="http://schemas.microsoft.com/office/drawing/2014/main" id="{3944C193-3781-4E4B-8F46-2C6D22188A4D}"/>
+              </a:ext>
+            </a:extLst>
+          </p:cNvPr>
+          <p:cNvSpPr/>
+          <p:nvPr/>
+        </p:nvSpPr>
+        <p:spPr>
+          <a:xfrm>
+            <a:off x="7196404" y="2628662"/>
+            <a:ext cx="1556183" cy="670181"/>
+          </a:xfrm>
+          <a:prstGeom prst="roundRect">
+            <a:avLst/>
+          </a:prstGeom>
+        </p:spPr>
+        <p:style>
+          <a:lnRef idx="2">
+            <a:schemeClr val="accent1"/>
+          </a:lnRef>
+          <a:fillRef idx="1">
+            <a:schemeClr val="lt1"/>
+          </a:fillRef>
+          <a:effectRef idx="0">
+            <a:schemeClr val="accent1"/>
+          </a:effectRef>
+          <a:fontRef idx="minor">
+            <a:schemeClr val="dk1"/>
+          </a:fontRef>
+        </p:style>
+        <p:txBody>
+          <a:bodyPr rtlCol="0" anchor="ctr"/>
+          <a:lstStyle/>
+          <a:p>
+            <a:pPr algn="ctr"/>
+            <a:r>
+              <a:rPr lang="en-US" altLang="zh-CN" dirty="0"/>
+              <a:t>main.js</a:t>
+            </a:r>
+            <a:endParaRPr lang="en-US" dirty="0"/>
+          </a:p>
+        </p:txBody>
+      </p:sp>
+      <p:sp>
+        <p:nvSpPr>
+          <p:cNvPr id="12" name="Arrow: Right 11">
+            <a:extLst>
+              <a:ext uri="{FF2B5EF4-FFF2-40B4-BE49-F238E27FC236}">
+                <a16:creationId xmlns:a16="http://schemas.microsoft.com/office/drawing/2014/main" id="{697B7380-679D-49E1-8F59-215C083F753C}"/>
+              </a:ext>
+            </a:extLst>
+          </p:cNvPr>
+          <p:cNvSpPr/>
+          <p:nvPr/>
+        </p:nvSpPr>
+        <p:spPr>
+          <a:xfrm rot="3578720">
+            <a:off x="8771046" y="3095985"/>
+            <a:ext cx="579310" cy="227181"/>
+          </a:xfrm>
+          <a:prstGeom prst="rightArrow">
+            <a:avLst/>
+          </a:prstGeom>
+        </p:spPr>
+        <p:style>
+          <a:lnRef idx="2">
+            <a:schemeClr val="accent1">
+              <a:shade val="50000"/>
+            </a:schemeClr>
+          </a:lnRef>
+          <a:fillRef idx="1">
+            <a:schemeClr val="accent1"/>
+          </a:fillRef>
+          <a:effectRef idx="0">
+            <a:schemeClr val="accent1"/>
+          </a:effectRef>
+          <a:fontRef idx="minor">
+            <a:schemeClr val="lt1"/>
+          </a:fontRef>
+        </p:style>
+        <p:txBody>
+          <a:bodyPr rtlCol="0" anchor="ctr"/>
+          <a:lstStyle/>
+          <a:p>
+            <a:pPr algn="ctr"/>
+            <a:endParaRPr lang="en-US"/>
+          </a:p>
+        </p:txBody>
+      </p:sp>
+      <p:sp>
+        <p:nvSpPr>
+          <p:cNvPr id="13" name="Rectangle: Rounded Corners 12">
+            <a:extLst>
+              <a:ext uri="{FF2B5EF4-FFF2-40B4-BE49-F238E27FC236}">
+                <a16:creationId xmlns:a16="http://schemas.microsoft.com/office/drawing/2014/main" id="{4EA53EAA-F158-4433-82DF-90C24A67DB89}"/>
+              </a:ext>
+            </a:extLst>
+          </p:cNvPr>
+          <p:cNvSpPr/>
+          <p:nvPr/>
+        </p:nvSpPr>
+        <p:spPr>
+          <a:xfrm>
+            <a:off x="8441634" y="3636620"/>
+            <a:ext cx="1556183" cy="1556999"/>
+          </a:xfrm>
+          <a:prstGeom prst="roundRect">
+            <a:avLst/>
+          </a:prstGeom>
+        </p:spPr>
+        <p:style>
+          <a:lnRef idx="2">
+            <a:schemeClr val="accent1"/>
+          </a:lnRef>
+          <a:fillRef idx="1">
+            <a:schemeClr val="lt1"/>
+          </a:fillRef>
+          <a:effectRef idx="0">
+            <a:schemeClr val="accent1"/>
+          </a:effectRef>
+          <a:fontRef idx="minor">
+            <a:schemeClr val="dk1"/>
+          </a:fontRef>
+        </p:style>
+        <p:txBody>
+          <a:bodyPr rtlCol="0" anchor="ctr"/>
+          <a:lstStyle/>
+          <a:p>
+            <a:pPr algn="ctr"/>
+            <a:r>
+              <a:rPr lang="zh-CN" altLang="en-US" dirty="0"/>
+              <a:t>把</a:t>
+            </a:r>
+            <a:r>
+              <a:rPr lang="en-US" altLang="zh-CN" dirty="0" err="1"/>
+              <a:t>App.vue</a:t>
+            </a:r>
+            <a:r>
+              <a:rPr lang="zh-CN" altLang="en-US" dirty="0"/>
+              <a:t>抓過來，將它實體化，并且爲它加了一些外挂</a:t>
+            </a:r>
+            <a:endParaRPr lang="en-US" dirty="0"/>
+          </a:p>
+        </p:txBody>
+      </p:sp>
+      <p:sp>
+        <p:nvSpPr>
+          <p:cNvPr id="14" name="Arrow: Right 13">
+            <a:extLst>
+              <a:ext uri="{FF2B5EF4-FFF2-40B4-BE49-F238E27FC236}">
+                <a16:creationId xmlns:a16="http://schemas.microsoft.com/office/drawing/2014/main" id="{3E4E5A2F-C557-40C4-B8BE-DE7E44EA4ABD}"/>
+              </a:ext>
+            </a:extLst>
+          </p:cNvPr>
+          <p:cNvSpPr/>
+          <p:nvPr/>
+        </p:nvSpPr>
+        <p:spPr>
+          <a:xfrm rot="12289703">
+            <a:off x="5839683" y="4021922"/>
+            <a:ext cx="2431998" cy="227181"/>
+          </a:xfrm>
+          <a:prstGeom prst="rightArrow">
+            <a:avLst/>
+          </a:prstGeom>
+        </p:spPr>
+        <p:style>
+          <a:lnRef idx="2">
+            <a:schemeClr val="accent1">
+              <a:shade val="50000"/>
+            </a:schemeClr>
+          </a:lnRef>
+          <a:fillRef idx="1">
+            <a:schemeClr val="accent1"/>
+          </a:fillRef>
+          <a:effectRef idx="0">
+            <a:schemeClr val="accent1"/>
+          </a:effectRef>
+          <a:fontRef idx="minor">
+            <a:schemeClr val="lt1"/>
+          </a:fontRef>
+        </p:style>
+        <p:txBody>
+          <a:bodyPr rtlCol="0" anchor="ctr"/>
+          <a:lstStyle/>
+          <a:p>
+            <a:pPr algn="ctr"/>
+            <a:endParaRPr lang="en-US"/>
+          </a:p>
+        </p:txBody>
+      </p:sp>
+      <p:sp>
+        <p:nvSpPr>
+          <p:cNvPr id="15" name="TextBox 14">
+            <a:extLst>
+              <a:ext uri="{FF2B5EF4-FFF2-40B4-BE49-F238E27FC236}">
+                <a16:creationId xmlns:a16="http://schemas.microsoft.com/office/drawing/2014/main" id="{31CCF597-2138-483E-A91F-CB09A70A6BB0}"/>
+              </a:ext>
+            </a:extLst>
+          </p:cNvPr>
+          <p:cNvSpPr txBox="1"/>
+          <p:nvPr/>
+        </p:nvSpPr>
+        <p:spPr>
+          <a:xfrm>
+            <a:off x="5596204" y="4206928"/>
+            <a:ext cx="2302602" cy="738664"/>
+          </a:xfrm>
+          <a:prstGeom prst="rect">
+            <a:avLst/>
+          </a:prstGeom>
+          <a:noFill/>
+        </p:spPr>
+        <p:txBody>
+          <a:bodyPr wrap="square" rtlCol="0">
+            <a:spAutoFit/>
+          </a:bodyPr>
+          <a:lstStyle/>
+          <a:p>
+            <a:r>
+              <a:rPr lang="zh-CN" altLang="en-US" sz="1400" dirty="0"/>
+              <a:t>透過</a:t>
+            </a:r>
+            <a:r>
+              <a:rPr lang="en-US" sz="1400" b="0" dirty="0" err="1">
+                <a:solidFill>
+                  <a:srgbClr val="A6ACCD"/>
+                </a:solidFill>
+                <a:effectLst/>
+                <a:latin typeface="Source Code Pro SemiBold" panose="020B0309030403020204" pitchFamily="49" charset="0"/>
+              </a:rPr>
+              <a:t>app</a:t>
+            </a:r>
+            <a:r>
+              <a:rPr lang="en-US" sz="1400" b="0" dirty="0" err="1">
+                <a:solidFill>
+                  <a:srgbClr val="89DDFF"/>
+                </a:solidFill>
+                <a:effectLst/>
+                <a:latin typeface="Source Code Pro SemiBold" panose="020B0309030403020204" pitchFamily="49" charset="0"/>
+              </a:rPr>
+              <a:t>.</a:t>
+            </a:r>
+            <a:r>
+              <a:rPr lang="en-US" sz="1400" b="0" dirty="0" err="1">
+                <a:solidFill>
+                  <a:srgbClr val="82AAFF"/>
+                </a:solidFill>
+                <a:effectLst/>
+                <a:latin typeface="Source Code Pro SemiBold" panose="020B0309030403020204" pitchFamily="49" charset="0"/>
+              </a:rPr>
+              <a:t>mount</a:t>
+            </a:r>
+            <a:r>
+              <a:rPr lang="en-US" sz="1400" b="0" dirty="0">
+                <a:solidFill>
+                  <a:srgbClr val="A6ACCD"/>
+                </a:solidFill>
+                <a:effectLst/>
+                <a:latin typeface="Source Code Pro SemiBold" panose="020B0309030403020204" pitchFamily="49" charset="0"/>
+              </a:rPr>
+              <a:t>(</a:t>
+            </a:r>
+            <a:r>
+              <a:rPr lang="en-US" sz="1400" b="0" dirty="0">
+                <a:solidFill>
+                  <a:srgbClr val="89DDFF"/>
+                </a:solidFill>
+                <a:effectLst/>
+                <a:latin typeface="Source Code Pro SemiBold" panose="020B0309030403020204" pitchFamily="49" charset="0"/>
+              </a:rPr>
+              <a:t>'</a:t>
+            </a:r>
+            <a:r>
+              <a:rPr lang="en-US" sz="1400" b="0" dirty="0">
+                <a:solidFill>
+                  <a:srgbClr val="C3E88D"/>
+                </a:solidFill>
+                <a:effectLst/>
+                <a:latin typeface="Source Code Pro SemiBold" panose="020B0309030403020204" pitchFamily="49" charset="0"/>
+              </a:rPr>
+              <a:t>#app</a:t>
+            </a:r>
+            <a:r>
+              <a:rPr lang="en-US" sz="1400" b="0" dirty="0">
+                <a:solidFill>
+                  <a:srgbClr val="89DDFF"/>
+                </a:solidFill>
+                <a:effectLst/>
+                <a:latin typeface="Source Code Pro SemiBold" panose="020B0309030403020204" pitchFamily="49" charset="0"/>
+              </a:rPr>
+              <a:t>'</a:t>
+            </a:r>
+            <a:r>
+              <a:rPr lang="en-US" sz="1400" b="0" dirty="0">
+                <a:solidFill>
+                  <a:srgbClr val="A6ACCD"/>
+                </a:solidFill>
+                <a:effectLst/>
+                <a:latin typeface="Source Code Pro SemiBold" panose="020B0309030403020204" pitchFamily="49" charset="0"/>
+              </a:rPr>
+              <a:t>)</a:t>
+            </a:r>
+          </a:p>
+          <a:p>
+            <a:r>
+              <a:rPr lang="zh-CN" altLang="en-US" sz="1400" dirty="0"/>
+              <a:t>挂載到</a:t>
+            </a:r>
+            <a:r>
+              <a:rPr lang="en-US" altLang="zh-CN" sz="1400" dirty="0"/>
+              <a:t>index.html</a:t>
+            </a:r>
+            <a:r>
+              <a:rPr lang="zh-CN" altLang="en-US" sz="1400" dirty="0"/>
+              <a:t>的</a:t>
+            </a:r>
+            <a:r>
+              <a:rPr lang="en-US" altLang="zh-CN" sz="1400" dirty="0"/>
+              <a:t>div</a:t>
+            </a:r>
+            <a:r>
+              <a:rPr lang="zh-CN" altLang="en-US" sz="1400" dirty="0"/>
+              <a:t>上面</a:t>
+            </a:r>
+            <a:endParaRPr lang="en-US" sz="1400" dirty="0"/>
           </a:p>
         </p:txBody>
       </p:sp>
     </p:spTree>
     <p:extLst>
       <p:ext uri="{BB962C8B-B14F-4D97-AF65-F5344CB8AC3E}">
-        <p14:creationId xmlns:p14="http://schemas.microsoft.com/office/powerpoint/2010/main" val="1441824497"/>
+        <p14:creationId xmlns:p14="http://schemas.microsoft.com/office/powerpoint/2010/main" val="1608790110"/>
       </p:ext>
     </p:extLst>
   </p:cSld>
@@ -3898,7 +4406,7 @@
           <p:cNvPr id="2" name="Title 1">
             <a:extLst>
               <a:ext uri="{FF2B5EF4-FFF2-40B4-BE49-F238E27FC236}">
-                <a16:creationId xmlns:a16="http://schemas.microsoft.com/office/drawing/2014/main" id="{2FF1E49E-B636-43FF-88FB-EEC9971C3B90}"/>
+                <a16:creationId xmlns:a16="http://schemas.microsoft.com/office/drawing/2014/main" id="{41466107-43E1-4A26-94FE-8A1E5478641D}"/>
               </a:ext>
             </a:extLst>
           </p:cNvPr>
@@ -3909,22 +4417,19 @@
             <p:ph type="title"/>
           </p:nvPr>
         </p:nvSpPr>
-        <p:spPr/>
+        <p:spPr>
+          <a:xfrm>
+            <a:off x="448586" y="412833"/>
+            <a:ext cx="10515600" cy="1325563"/>
+          </a:xfrm>
+        </p:spPr>
         <p:txBody>
           <a:bodyPr/>
           <a:lstStyle/>
           <a:p>
             <a:r>
               <a:rPr lang="zh-CN" altLang="en-US" dirty="0"/>
-              <a:t>到目前爲止的</a:t>
-            </a:r>
-            <a:r>
-              <a:rPr lang="en-US" altLang="zh-CN" dirty="0"/>
-              <a:t>Vue</a:t>
-            </a:r>
-            <a:r>
-              <a:rPr lang="zh-CN" altLang="en-US" dirty="0"/>
-              <a:t>的流程</a:t>
+              <a:t>前端架構的不斷循環</a:t>
             </a:r>
             <a:endParaRPr lang="en-US" dirty="0"/>
           </a:p>
@@ -3932,10 +4437,10 @@
       </p:sp>
       <p:sp>
         <p:nvSpPr>
-          <p:cNvPr id="7" name="Rectangle: Rounded Corners 6">
-            <a:extLst>
-              <a:ext uri="{FF2B5EF4-FFF2-40B4-BE49-F238E27FC236}">
-                <a16:creationId xmlns:a16="http://schemas.microsoft.com/office/drawing/2014/main" id="{BF8972C0-302A-4389-8946-EB318183B9D0}"/>
+          <p:cNvPr id="4" name="Rectangle: Rounded Corners 3">
+            <a:extLst>
+              <a:ext uri="{FF2B5EF4-FFF2-40B4-BE49-F238E27FC236}">
+                <a16:creationId xmlns:a16="http://schemas.microsoft.com/office/drawing/2014/main" id="{987552B8-35DF-411A-82A2-D2905C65A83A}"/>
               </a:ext>
             </a:extLst>
           </p:cNvPr>
@@ -3944,7 +4449,7 @@
         </p:nvSpPr>
         <p:spPr>
           <a:xfrm>
-            <a:off x="2110408" y="2680726"/>
+            <a:off x="6103381" y="2262905"/>
             <a:ext cx="1556183" cy="670181"/>
           </a:xfrm>
           <a:prstGeom prst="roundRect">
@@ -3971,8 +4476,8 @@
           <a:p>
             <a:pPr algn="ctr"/>
             <a:r>
-              <a:rPr lang="zh-CN" altLang="en-US" dirty="0"/>
-              <a:t>用戶輸入網址</a:t>
+              <a:rPr lang="en-US" altLang="zh-CN" dirty="0"/>
+              <a:t>index.html</a:t>
             </a:r>
             <a:endParaRPr lang="en-US" dirty="0"/>
           </a:p>
@@ -3980,10 +4485,10 @@
       </p:sp>
       <p:sp>
         <p:nvSpPr>
-          <p:cNvPr id="8" name="Arrow: Right 7">
-            <a:extLst>
-              <a:ext uri="{FF2B5EF4-FFF2-40B4-BE49-F238E27FC236}">
-                <a16:creationId xmlns:a16="http://schemas.microsoft.com/office/drawing/2014/main" id="{B50526BC-6B14-4E57-AF7B-2B28CC7607DE}"/>
+          <p:cNvPr id="5" name="Arrow: Right 4">
+            <a:extLst>
+              <a:ext uri="{FF2B5EF4-FFF2-40B4-BE49-F238E27FC236}">
+                <a16:creationId xmlns:a16="http://schemas.microsoft.com/office/drawing/2014/main" id="{D1D86B7A-7F1B-470C-99EF-51B5E797F3D0}"/>
               </a:ext>
             </a:extLst>
           </p:cNvPr>
@@ -3992,7 +4497,7 @@
         </p:nvSpPr>
         <p:spPr>
           <a:xfrm>
-            <a:off x="3737112" y="2902225"/>
+            <a:off x="7967678" y="2484404"/>
             <a:ext cx="579310" cy="227181"/>
           </a:xfrm>
           <a:prstGeom prst="rightArrow">
@@ -4026,10 +4531,10 @@
       </p:sp>
       <p:sp>
         <p:nvSpPr>
-          <p:cNvPr id="9" name="Rectangle: Rounded Corners 8">
-            <a:extLst>
-              <a:ext uri="{FF2B5EF4-FFF2-40B4-BE49-F238E27FC236}">
-                <a16:creationId xmlns:a16="http://schemas.microsoft.com/office/drawing/2014/main" id="{563D1F5C-B43D-438B-9112-A261FB340548}"/>
+          <p:cNvPr id="6" name="Rectangle: Rounded Corners 5">
+            <a:extLst>
+              <a:ext uri="{FF2B5EF4-FFF2-40B4-BE49-F238E27FC236}">
+                <a16:creationId xmlns:a16="http://schemas.microsoft.com/office/drawing/2014/main" id="{4A63413C-7F6F-4479-A473-81F3FF2DDE73}"/>
               </a:ext>
             </a:extLst>
           </p:cNvPr>
@@ -4038,7 +4543,7 @@
         </p:nvSpPr>
         <p:spPr>
           <a:xfrm>
-            <a:off x="4444683" y="2628664"/>
+            <a:off x="8855102" y="2262903"/>
             <a:ext cx="1556183" cy="670181"/>
           </a:xfrm>
           <a:prstGeom prst="roundRect">
@@ -4066,7 +4571,7 @@
             <a:pPr algn="ctr"/>
             <a:r>
               <a:rPr lang="en-US" altLang="zh-CN" dirty="0"/>
-              <a:t>index.html</a:t>
+              <a:t>main.js</a:t>
             </a:r>
             <a:endParaRPr lang="en-US" dirty="0"/>
           </a:p>
@@ -4074,10 +4579,10 @@
       </p:sp>
       <p:sp>
         <p:nvSpPr>
-          <p:cNvPr id="10" name="Arrow: Right 9">
-            <a:extLst>
-              <a:ext uri="{FF2B5EF4-FFF2-40B4-BE49-F238E27FC236}">
-                <a16:creationId xmlns:a16="http://schemas.microsoft.com/office/drawing/2014/main" id="{681F3184-B651-4C59-AC83-7049DA0CFCCB}"/>
+          <p:cNvPr id="7" name="Arrow: Right 6">
+            <a:extLst>
+              <a:ext uri="{FF2B5EF4-FFF2-40B4-BE49-F238E27FC236}">
+                <a16:creationId xmlns:a16="http://schemas.microsoft.com/office/drawing/2014/main" id="{97FF81BA-27C4-4420-9E48-ED98B635943C}"/>
               </a:ext>
             </a:extLst>
           </p:cNvPr>
@@ -4085,8 +4590,8 @@
           <p:nvPr/>
         </p:nvSpPr>
         <p:spPr>
-          <a:xfrm>
-            <a:off x="6308980" y="2850163"/>
+          <a:xfrm rot="3578720">
+            <a:off x="10429744" y="2730226"/>
             <a:ext cx="579310" cy="227181"/>
           </a:xfrm>
           <a:prstGeom prst="rightArrow">
@@ -4120,10 +4625,10 @@
       </p:sp>
       <p:sp>
         <p:nvSpPr>
-          <p:cNvPr id="11" name="Rectangle: Rounded Corners 10">
-            <a:extLst>
-              <a:ext uri="{FF2B5EF4-FFF2-40B4-BE49-F238E27FC236}">
-                <a16:creationId xmlns:a16="http://schemas.microsoft.com/office/drawing/2014/main" id="{3944C193-3781-4E4B-8F46-2C6D22188A4D}"/>
+          <p:cNvPr id="8" name="Rectangle: Rounded Corners 7">
+            <a:extLst>
+              <a:ext uri="{FF2B5EF4-FFF2-40B4-BE49-F238E27FC236}">
+                <a16:creationId xmlns:a16="http://schemas.microsoft.com/office/drawing/2014/main" id="{DF7B05ED-A7E3-4FDF-8F7A-EC9D03E2225A}"/>
               </a:ext>
             </a:extLst>
           </p:cNvPr>
@@ -4132,8 +4637,8 @@
         </p:nvSpPr>
         <p:spPr>
           <a:xfrm>
-            <a:off x="7196404" y="2628662"/>
-            <a:ext cx="1556183" cy="670181"/>
+            <a:off x="10100332" y="3270861"/>
+            <a:ext cx="1556183" cy="1556999"/>
           </a:xfrm>
           <a:prstGeom prst="roundRect">
             <a:avLst/>
@@ -4159,8 +4664,16 @@
           <a:p>
             <a:pPr algn="ctr"/>
             <a:r>
-              <a:rPr lang="en-US" altLang="zh-CN" dirty="0"/>
-              <a:t>main.js</a:t>
+              <a:rPr lang="zh-CN" altLang="en-US" dirty="0"/>
+              <a:t>把</a:t>
+            </a:r>
+            <a:r>
+              <a:rPr lang="en-US" altLang="zh-CN" dirty="0" err="1"/>
+              <a:t>App.vue</a:t>
+            </a:r>
+            <a:r>
+              <a:rPr lang="zh-CN" altLang="en-US" dirty="0"/>
+              <a:t>抓過來，將它實體化，并且爲它加了一些外挂</a:t>
             </a:r>
             <a:endParaRPr lang="en-US" dirty="0"/>
           </a:p>
@@ -4168,10 +4681,10 @@
       </p:sp>
       <p:sp>
         <p:nvSpPr>
-          <p:cNvPr id="12" name="Arrow: Right 11">
-            <a:extLst>
-              <a:ext uri="{FF2B5EF4-FFF2-40B4-BE49-F238E27FC236}">
-                <a16:creationId xmlns:a16="http://schemas.microsoft.com/office/drawing/2014/main" id="{697B7380-679D-49E1-8F59-215C083F753C}"/>
+          <p:cNvPr id="9" name="Arrow: Right 8">
+            <a:extLst>
+              <a:ext uri="{FF2B5EF4-FFF2-40B4-BE49-F238E27FC236}">
+                <a16:creationId xmlns:a16="http://schemas.microsoft.com/office/drawing/2014/main" id="{31AD2AA4-DED9-4558-9550-81C7A5D32830}"/>
               </a:ext>
             </a:extLst>
           </p:cNvPr>
@@ -4179,9 +4692,9 @@
           <p:nvPr/>
         </p:nvSpPr>
         <p:spPr>
-          <a:xfrm rot="3578720">
-            <a:off x="8771046" y="3095985"/>
-            <a:ext cx="579310" cy="227181"/>
+          <a:xfrm rot="12289703">
+            <a:off x="7498381" y="3656163"/>
+            <a:ext cx="2431998" cy="227181"/>
           </a:xfrm>
           <a:prstGeom prst="rightArrow">
             <a:avLst/>
@@ -4214,112 +4727,10 @@
       </p:sp>
       <p:sp>
         <p:nvSpPr>
-          <p:cNvPr id="13" name="Rectangle: Rounded Corners 12">
-            <a:extLst>
-              <a:ext uri="{FF2B5EF4-FFF2-40B4-BE49-F238E27FC236}">
-                <a16:creationId xmlns:a16="http://schemas.microsoft.com/office/drawing/2014/main" id="{4EA53EAA-F158-4433-82DF-90C24A67DB89}"/>
-              </a:ext>
-            </a:extLst>
-          </p:cNvPr>
-          <p:cNvSpPr/>
-          <p:nvPr/>
-        </p:nvSpPr>
-        <p:spPr>
-          <a:xfrm>
-            <a:off x="8441634" y="3636620"/>
-            <a:ext cx="1556183" cy="1556999"/>
-          </a:xfrm>
-          <a:prstGeom prst="roundRect">
-            <a:avLst/>
-          </a:prstGeom>
-        </p:spPr>
-        <p:style>
-          <a:lnRef idx="2">
-            <a:schemeClr val="accent1"/>
-          </a:lnRef>
-          <a:fillRef idx="1">
-            <a:schemeClr val="lt1"/>
-          </a:fillRef>
-          <a:effectRef idx="0">
-            <a:schemeClr val="accent1"/>
-          </a:effectRef>
-          <a:fontRef idx="minor">
-            <a:schemeClr val="dk1"/>
-          </a:fontRef>
-        </p:style>
-        <p:txBody>
-          <a:bodyPr rtlCol="0" anchor="ctr"/>
-          <a:lstStyle/>
-          <a:p>
-            <a:pPr algn="ctr"/>
-            <a:r>
-              <a:rPr lang="zh-CN" altLang="en-US" dirty="0"/>
-              <a:t>把</a:t>
-            </a:r>
-            <a:r>
-              <a:rPr lang="en-US" altLang="zh-CN" dirty="0" err="1"/>
-              <a:t>App.vue</a:t>
-            </a:r>
-            <a:r>
-              <a:rPr lang="zh-CN" altLang="en-US" dirty="0"/>
-              <a:t>抓過來，將它實體化，并且爲它加了一些外挂</a:t>
-            </a:r>
-            <a:endParaRPr lang="en-US" dirty="0"/>
-          </a:p>
-        </p:txBody>
-      </p:sp>
-      <p:sp>
-        <p:nvSpPr>
-          <p:cNvPr id="14" name="Arrow: Right 13">
-            <a:extLst>
-              <a:ext uri="{FF2B5EF4-FFF2-40B4-BE49-F238E27FC236}">
-                <a16:creationId xmlns:a16="http://schemas.microsoft.com/office/drawing/2014/main" id="{3E4E5A2F-C557-40C4-B8BE-DE7E44EA4ABD}"/>
-              </a:ext>
-            </a:extLst>
-          </p:cNvPr>
-          <p:cNvSpPr/>
-          <p:nvPr/>
-        </p:nvSpPr>
-        <p:spPr>
-          <a:xfrm rot="12289703">
-            <a:off x="5839683" y="4021922"/>
-            <a:ext cx="2431998" cy="227181"/>
-          </a:xfrm>
-          <a:prstGeom prst="rightArrow">
-            <a:avLst/>
-          </a:prstGeom>
-        </p:spPr>
-        <p:style>
-          <a:lnRef idx="2">
-            <a:schemeClr val="accent1">
-              <a:shade val="50000"/>
-            </a:schemeClr>
-          </a:lnRef>
-          <a:fillRef idx="1">
-            <a:schemeClr val="accent1"/>
-          </a:fillRef>
-          <a:effectRef idx="0">
-            <a:schemeClr val="accent1"/>
-          </a:effectRef>
-          <a:fontRef idx="minor">
-            <a:schemeClr val="lt1"/>
-          </a:fontRef>
-        </p:style>
-        <p:txBody>
-          <a:bodyPr rtlCol="0" anchor="ctr"/>
-          <a:lstStyle/>
-          <a:p>
-            <a:pPr algn="ctr"/>
-            <a:endParaRPr lang="en-US"/>
-          </a:p>
-        </p:txBody>
-      </p:sp>
-      <p:sp>
-        <p:nvSpPr>
-          <p:cNvPr id="15" name="TextBox 14">
-            <a:extLst>
-              <a:ext uri="{FF2B5EF4-FFF2-40B4-BE49-F238E27FC236}">
-                <a16:creationId xmlns:a16="http://schemas.microsoft.com/office/drawing/2014/main" id="{31CCF597-2138-483E-A91F-CB09A70A6BB0}"/>
+          <p:cNvPr id="10" name="TextBox 9">
+            <a:extLst>
+              <a:ext uri="{FF2B5EF4-FFF2-40B4-BE49-F238E27FC236}">
+                <a16:creationId xmlns:a16="http://schemas.microsoft.com/office/drawing/2014/main" id="{738BF25A-2FF0-48A5-BA8B-856F1D39BE6B}"/>
               </a:ext>
             </a:extLst>
           </p:cNvPr>
@@ -4328,7 +4739,7 @@
         </p:nvSpPr>
         <p:spPr>
           <a:xfrm>
-            <a:off x="5596204" y="4206928"/>
+            <a:off x="7254902" y="3841169"/>
             <a:ext cx="2302602" cy="738664"/>
           </a:xfrm>
           <a:prstGeom prst="rect">
@@ -4452,10 +4863,388 @@
           </a:p>
         </p:txBody>
       </p:sp>
+      <p:sp>
+        <p:nvSpPr>
+          <p:cNvPr id="11" name="TextBox 10">
+            <a:extLst>
+              <a:ext uri="{FF2B5EF4-FFF2-40B4-BE49-F238E27FC236}">
+                <a16:creationId xmlns:a16="http://schemas.microsoft.com/office/drawing/2014/main" id="{028F53AB-DA86-44C7-9A9D-202B66DB921C}"/>
+              </a:ext>
+            </a:extLst>
+          </p:cNvPr>
+          <p:cNvSpPr txBox="1"/>
+          <p:nvPr/>
+        </p:nvSpPr>
+        <p:spPr>
+          <a:xfrm>
+            <a:off x="6440556" y="1738396"/>
+            <a:ext cx="814346" cy="368700"/>
+          </a:xfrm>
+          <a:prstGeom prst="rect">
+            <a:avLst/>
+          </a:prstGeom>
+          <a:noFill/>
+        </p:spPr>
+        <p:txBody>
+          <a:bodyPr wrap="square" rtlCol="0">
+            <a:spAutoFit/>
+          </a:bodyPr>
+          <a:lstStyle/>
+          <a:p>
+            <a:r>
+              <a:rPr lang="en-US" dirty="0"/>
+              <a:t>1</a:t>
+            </a:r>
+          </a:p>
+        </p:txBody>
+      </p:sp>
+      <p:sp>
+        <p:nvSpPr>
+          <p:cNvPr id="12" name="TextBox 11">
+            <a:extLst>
+              <a:ext uri="{FF2B5EF4-FFF2-40B4-BE49-F238E27FC236}">
+                <a16:creationId xmlns:a16="http://schemas.microsoft.com/office/drawing/2014/main" id="{FDE2897D-C048-42E7-95E1-A51AE01576E6}"/>
+              </a:ext>
+            </a:extLst>
+          </p:cNvPr>
+          <p:cNvSpPr txBox="1"/>
+          <p:nvPr/>
+        </p:nvSpPr>
+        <p:spPr>
+          <a:xfrm>
+            <a:off x="9207610" y="1852654"/>
+            <a:ext cx="814346" cy="369332"/>
+          </a:xfrm>
+          <a:prstGeom prst="rect">
+            <a:avLst/>
+          </a:prstGeom>
+          <a:noFill/>
+        </p:spPr>
+        <p:txBody>
+          <a:bodyPr wrap="square" rtlCol="0">
+            <a:spAutoFit/>
+          </a:bodyPr>
+          <a:lstStyle/>
+          <a:p>
+            <a:r>
+              <a:rPr lang="en-US" dirty="0"/>
+              <a:t>2</a:t>
+            </a:r>
+          </a:p>
+        </p:txBody>
+      </p:sp>
+      <p:sp>
+        <p:nvSpPr>
+          <p:cNvPr id="13" name="TextBox 12">
+            <a:extLst>
+              <a:ext uri="{FF2B5EF4-FFF2-40B4-BE49-F238E27FC236}">
+                <a16:creationId xmlns:a16="http://schemas.microsoft.com/office/drawing/2014/main" id="{359254DB-1D97-40BA-8E65-C118DF3032FA}"/>
+              </a:ext>
+            </a:extLst>
+          </p:cNvPr>
+          <p:cNvSpPr txBox="1"/>
+          <p:nvPr/>
+        </p:nvSpPr>
+        <p:spPr>
+          <a:xfrm>
+            <a:off x="10551381" y="4937760"/>
+            <a:ext cx="1176793" cy="369332"/>
+          </a:xfrm>
+          <a:prstGeom prst="rect">
+            <a:avLst/>
+          </a:prstGeom>
+          <a:noFill/>
+        </p:spPr>
+        <p:txBody>
+          <a:bodyPr wrap="square" rtlCol="0">
+            <a:spAutoFit/>
+          </a:bodyPr>
+          <a:lstStyle/>
+          <a:p>
+            <a:r>
+              <a:rPr lang="en-US" dirty="0"/>
+              <a:t>3</a:t>
+            </a:r>
+          </a:p>
+        </p:txBody>
+      </p:sp>
+      <p:sp>
+        <p:nvSpPr>
+          <p:cNvPr id="14" name="TextBox 13">
+            <a:extLst>
+              <a:ext uri="{FF2B5EF4-FFF2-40B4-BE49-F238E27FC236}">
+                <a16:creationId xmlns:a16="http://schemas.microsoft.com/office/drawing/2014/main" id="{3699173C-A8C5-4774-B362-976F8B43DCD7}"/>
+              </a:ext>
+            </a:extLst>
+          </p:cNvPr>
+          <p:cNvSpPr txBox="1"/>
+          <p:nvPr/>
+        </p:nvSpPr>
+        <p:spPr>
+          <a:xfrm>
+            <a:off x="6361043" y="3061252"/>
+            <a:ext cx="1097280" cy="371407"/>
+          </a:xfrm>
+          <a:prstGeom prst="rect">
+            <a:avLst/>
+          </a:prstGeom>
+          <a:noFill/>
+        </p:spPr>
+        <p:txBody>
+          <a:bodyPr wrap="square" rtlCol="0">
+            <a:spAutoFit/>
+          </a:bodyPr>
+          <a:lstStyle/>
+          <a:p>
+            <a:r>
+              <a:rPr lang="en-US" dirty="0"/>
+              <a:t>4</a:t>
+            </a:r>
+          </a:p>
+        </p:txBody>
+      </p:sp>
+      <p:sp>
+        <p:nvSpPr>
+          <p:cNvPr id="15" name="Rectangle: Rounded Corners 14">
+            <a:extLst>
+              <a:ext uri="{FF2B5EF4-FFF2-40B4-BE49-F238E27FC236}">
+                <a16:creationId xmlns:a16="http://schemas.microsoft.com/office/drawing/2014/main" id="{438D7ACF-B633-485F-9969-E7C2581D129F}"/>
+              </a:ext>
+            </a:extLst>
+          </p:cNvPr>
+          <p:cNvSpPr/>
+          <p:nvPr/>
+        </p:nvSpPr>
+        <p:spPr>
+          <a:xfrm>
+            <a:off x="5637475" y="1526651"/>
+            <a:ext cx="6164911" cy="4619707"/>
+          </a:xfrm>
+          <a:prstGeom prst="roundRect">
+            <a:avLst/>
+          </a:prstGeom>
+          <a:noFill/>
+          <a:ln>
+            <a:solidFill>
+              <a:srgbClr val="FF0000"/>
+            </a:solidFill>
+          </a:ln>
+        </p:spPr>
+        <p:style>
+          <a:lnRef idx="2">
+            <a:schemeClr val="accent1">
+              <a:shade val="50000"/>
+            </a:schemeClr>
+          </a:lnRef>
+          <a:fillRef idx="1">
+            <a:schemeClr val="accent1"/>
+          </a:fillRef>
+          <a:effectRef idx="0">
+            <a:schemeClr val="accent1"/>
+          </a:effectRef>
+          <a:fontRef idx="minor">
+            <a:schemeClr val="lt1"/>
+          </a:fontRef>
+        </p:style>
+        <p:txBody>
+          <a:bodyPr rtlCol="0" anchor="ctr"/>
+          <a:lstStyle/>
+          <a:p>
+            <a:pPr algn="ctr"/>
+            <a:endParaRPr lang="en-US"/>
+          </a:p>
+        </p:txBody>
+      </p:sp>
+      <p:sp>
+        <p:nvSpPr>
+          <p:cNvPr id="16" name="TextBox 15">
+            <a:extLst>
+              <a:ext uri="{FF2B5EF4-FFF2-40B4-BE49-F238E27FC236}">
+                <a16:creationId xmlns:a16="http://schemas.microsoft.com/office/drawing/2014/main" id="{E6871A7D-C9D2-48C2-BE77-08AFC51C0911}"/>
+              </a:ext>
+            </a:extLst>
+          </p:cNvPr>
+          <p:cNvSpPr txBox="1"/>
+          <p:nvPr/>
+        </p:nvSpPr>
+        <p:spPr>
+          <a:xfrm>
+            <a:off x="6737888" y="1208483"/>
+            <a:ext cx="4420926" cy="369332"/>
+          </a:xfrm>
+          <a:prstGeom prst="rect">
+            <a:avLst/>
+          </a:prstGeom>
+          <a:noFill/>
+        </p:spPr>
+        <p:txBody>
+          <a:bodyPr wrap="square" rtlCol="0">
+            <a:spAutoFit/>
+          </a:bodyPr>
+          <a:lstStyle/>
+          <a:p>
+            <a:r>
+              <a:rPr lang="zh-CN" altLang="en-US" dirty="0"/>
+              <a:t>這整個是一個進入到</a:t>
+            </a:r>
+            <a:r>
+              <a:rPr lang="en-US" altLang="zh-CN" dirty="0"/>
+              <a:t>Vue</a:t>
+            </a:r>
+            <a:r>
+              <a:rPr lang="zh-CN" altLang="en-US" dirty="0"/>
+              <a:t>的進入點而已</a:t>
+            </a:r>
+            <a:endParaRPr lang="en-US" dirty="0"/>
+          </a:p>
+        </p:txBody>
+      </p:sp>
+      <p:sp>
+        <p:nvSpPr>
+          <p:cNvPr id="17" name="Arrow: Left 16">
+            <a:extLst>
+              <a:ext uri="{FF2B5EF4-FFF2-40B4-BE49-F238E27FC236}">
+                <a16:creationId xmlns:a16="http://schemas.microsoft.com/office/drawing/2014/main" id="{3FD296F4-DA08-4163-80C2-FDB1323E3C2C}"/>
+              </a:ext>
+            </a:extLst>
+          </p:cNvPr>
+          <p:cNvSpPr/>
+          <p:nvPr/>
+        </p:nvSpPr>
+        <p:spPr>
+          <a:xfrm rot="20460818">
+            <a:off x="4643665" y="2540011"/>
+            <a:ext cx="850412" cy="827883"/>
+          </a:xfrm>
+          <a:prstGeom prst="leftArrow">
+            <a:avLst/>
+          </a:prstGeom>
+        </p:spPr>
+        <p:style>
+          <a:lnRef idx="2">
+            <a:schemeClr val="accent1">
+              <a:shade val="50000"/>
+            </a:schemeClr>
+          </a:lnRef>
+          <a:fillRef idx="1">
+            <a:schemeClr val="accent1"/>
+          </a:fillRef>
+          <a:effectRef idx="0">
+            <a:schemeClr val="accent1"/>
+          </a:effectRef>
+          <a:fontRef idx="minor">
+            <a:schemeClr val="lt1"/>
+          </a:fontRef>
+        </p:style>
+        <p:txBody>
+          <a:bodyPr rtlCol="0" anchor="ctr"/>
+          <a:lstStyle/>
+          <a:p>
+            <a:pPr algn="ctr"/>
+            <a:endParaRPr lang="en-US"/>
+          </a:p>
+        </p:txBody>
+      </p:sp>
+      <p:sp>
+        <p:nvSpPr>
+          <p:cNvPr id="18" name="Rectangle: Rounded Corners 17">
+            <a:extLst>
+              <a:ext uri="{FF2B5EF4-FFF2-40B4-BE49-F238E27FC236}">
+                <a16:creationId xmlns:a16="http://schemas.microsoft.com/office/drawing/2014/main" id="{8EC1C846-6B06-4DB0-A4CE-14CA63C74887}"/>
+              </a:ext>
+            </a:extLst>
+          </p:cNvPr>
+          <p:cNvSpPr/>
+          <p:nvPr/>
+        </p:nvSpPr>
+        <p:spPr>
+          <a:xfrm>
+            <a:off x="1279854" y="2536466"/>
+            <a:ext cx="3029566" cy="1950742"/>
+          </a:xfrm>
+          <a:prstGeom prst="roundRect">
+            <a:avLst/>
+          </a:prstGeom>
+          <a:noFill/>
+          <a:ln>
+            <a:solidFill>
+              <a:srgbClr val="FF0000"/>
+            </a:solidFill>
+          </a:ln>
+        </p:spPr>
+        <p:style>
+          <a:lnRef idx="2">
+            <a:schemeClr val="accent1">
+              <a:shade val="50000"/>
+            </a:schemeClr>
+          </a:lnRef>
+          <a:fillRef idx="1">
+            <a:schemeClr val="accent1"/>
+          </a:fillRef>
+          <a:effectRef idx="0">
+            <a:schemeClr val="accent1"/>
+          </a:effectRef>
+          <a:fontRef idx="minor">
+            <a:schemeClr val="lt1"/>
+          </a:fontRef>
+        </p:style>
+        <p:txBody>
+          <a:bodyPr rtlCol="0" anchor="ctr"/>
+          <a:lstStyle/>
+          <a:p>
+            <a:pPr algn="ctr"/>
+            <a:endParaRPr lang="en-US"/>
+          </a:p>
+        </p:txBody>
+      </p:sp>
+      <p:sp>
+        <p:nvSpPr>
+          <p:cNvPr id="19" name="TextBox 18">
+            <a:extLst>
+              <a:ext uri="{FF2B5EF4-FFF2-40B4-BE49-F238E27FC236}">
+                <a16:creationId xmlns:a16="http://schemas.microsoft.com/office/drawing/2014/main" id="{319FF1C7-FAF5-4F63-A325-366EB1FD9F8D}"/>
+              </a:ext>
+            </a:extLst>
+          </p:cNvPr>
+          <p:cNvSpPr txBox="1"/>
+          <p:nvPr/>
+        </p:nvSpPr>
+        <p:spPr>
+          <a:xfrm>
+            <a:off x="1647494" y="3302586"/>
+            <a:ext cx="2834078" cy="369332"/>
+          </a:xfrm>
+          <a:prstGeom prst="rect">
+            <a:avLst/>
+          </a:prstGeom>
+          <a:noFill/>
+        </p:spPr>
+        <p:txBody>
+          <a:bodyPr wrap="square" rtlCol="0">
+            <a:spAutoFit/>
+          </a:bodyPr>
+          <a:lstStyle/>
+          <a:p>
+            <a:r>
+              <a:rPr lang="zh-CN" altLang="en-US" dirty="0"/>
+              <a:t>進入到</a:t>
+            </a:r>
+            <a:r>
+              <a:rPr lang="en-US" altLang="zh-CN" dirty="0"/>
+              <a:t>Router</a:t>
+            </a:r>
+            <a:r>
+              <a:rPr lang="zh-CN" altLang="en-US" dirty="0"/>
+              <a:t>的世界</a:t>
+            </a:r>
+            <a:endParaRPr lang="en-US" dirty="0"/>
+          </a:p>
+        </p:txBody>
+      </p:sp>
     </p:spTree>
     <p:extLst>
       <p:ext uri="{BB962C8B-B14F-4D97-AF65-F5344CB8AC3E}">
-        <p14:creationId xmlns:p14="http://schemas.microsoft.com/office/powerpoint/2010/main" val="1608790110"/>
+        <p14:creationId xmlns:p14="http://schemas.microsoft.com/office/powerpoint/2010/main" val="3510709678"/>
       </p:ext>
     </p:extLst>
   </p:cSld>
@@ -4487,876 +5276,6 @@
           <p:cNvPr id="2" name="Title 1">
             <a:extLst>
               <a:ext uri="{FF2B5EF4-FFF2-40B4-BE49-F238E27FC236}">
-                <a16:creationId xmlns:a16="http://schemas.microsoft.com/office/drawing/2014/main" id="{41466107-43E1-4A26-94FE-8A1E5478641D}"/>
-              </a:ext>
-            </a:extLst>
-          </p:cNvPr>
-          <p:cNvSpPr>
-            <a:spLocks noGrp="1"/>
-          </p:cNvSpPr>
-          <p:nvPr>
-            <p:ph type="title"/>
-          </p:nvPr>
-        </p:nvSpPr>
-        <p:spPr>
-          <a:xfrm>
-            <a:off x="448586" y="412833"/>
-            <a:ext cx="10515600" cy="1325563"/>
-          </a:xfrm>
-        </p:spPr>
-        <p:txBody>
-          <a:bodyPr/>
-          <a:lstStyle/>
-          <a:p>
-            <a:r>
-              <a:rPr lang="zh-CN" altLang="en-US" dirty="0"/>
-              <a:t>前端架構的不斷循環</a:t>
-            </a:r>
-            <a:endParaRPr lang="en-US" dirty="0"/>
-          </a:p>
-        </p:txBody>
-      </p:sp>
-      <p:sp>
-        <p:nvSpPr>
-          <p:cNvPr id="4" name="Rectangle: Rounded Corners 3">
-            <a:extLst>
-              <a:ext uri="{FF2B5EF4-FFF2-40B4-BE49-F238E27FC236}">
-                <a16:creationId xmlns:a16="http://schemas.microsoft.com/office/drawing/2014/main" id="{987552B8-35DF-411A-82A2-D2905C65A83A}"/>
-              </a:ext>
-            </a:extLst>
-          </p:cNvPr>
-          <p:cNvSpPr/>
-          <p:nvPr/>
-        </p:nvSpPr>
-        <p:spPr>
-          <a:xfrm>
-            <a:off x="6103381" y="2262905"/>
-            <a:ext cx="1556183" cy="670181"/>
-          </a:xfrm>
-          <a:prstGeom prst="roundRect">
-            <a:avLst/>
-          </a:prstGeom>
-        </p:spPr>
-        <p:style>
-          <a:lnRef idx="2">
-            <a:schemeClr val="accent1"/>
-          </a:lnRef>
-          <a:fillRef idx="1">
-            <a:schemeClr val="lt1"/>
-          </a:fillRef>
-          <a:effectRef idx="0">
-            <a:schemeClr val="accent1"/>
-          </a:effectRef>
-          <a:fontRef idx="minor">
-            <a:schemeClr val="dk1"/>
-          </a:fontRef>
-        </p:style>
-        <p:txBody>
-          <a:bodyPr rtlCol="0" anchor="ctr"/>
-          <a:lstStyle/>
-          <a:p>
-            <a:pPr algn="ctr"/>
-            <a:r>
-              <a:rPr lang="en-US" altLang="zh-CN" dirty="0"/>
-              <a:t>index.html</a:t>
-            </a:r>
-            <a:endParaRPr lang="en-US" dirty="0"/>
-          </a:p>
-        </p:txBody>
-      </p:sp>
-      <p:sp>
-        <p:nvSpPr>
-          <p:cNvPr id="5" name="Arrow: Right 4">
-            <a:extLst>
-              <a:ext uri="{FF2B5EF4-FFF2-40B4-BE49-F238E27FC236}">
-                <a16:creationId xmlns:a16="http://schemas.microsoft.com/office/drawing/2014/main" id="{D1D86B7A-7F1B-470C-99EF-51B5E797F3D0}"/>
-              </a:ext>
-            </a:extLst>
-          </p:cNvPr>
-          <p:cNvSpPr/>
-          <p:nvPr/>
-        </p:nvSpPr>
-        <p:spPr>
-          <a:xfrm>
-            <a:off x="7967678" y="2484404"/>
-            <a:ext cx="579310" cy="227181"/>
-          </a:xfrm>
-          <a:prstGeom prst="rightArrow">
-            <a:avLst/>
-          </a:prstGeom>
-        </p:spPr>
-        <p:style>
-          <a:lnRef idx="2">
-            <a:schemeClr val="accent1">
-              <a:shade val="50000"/>
-            </a:schemeClr>
-          </a:lnRef>
-          <a:fillRef idx="1">
-            <a:schemeClr val="accent1"/>
-          </a:fillRef>
-          <a:effectRef idx="0">
-            <a:schemeClr val="accent1"/>
-          </a:effectRef>
-          <a:fontRef idx="minor">
-            <a:schemeClr val="lt1"/>
-          </a:fontRef>
-        </p:style>
-        <p:txBody>
-          <a:bodyPr rtlCol="0" anchor="ctr"/>
-          <a:lstStyle/>
-          <a:p>
-            <a:pPr algn="ctr"/>
-            <a:endParaRPr lang="en-US"/>
-          </a:p>
-        </p:txBody>
-      </p:sp>
-      <p:sp>
-        <p:nvSpPr>
-          <p:cNvPr id="6" name="Rectangle: Rounded Corners 5">
-            <a:extLst>
-              <a:ext uri="{FF2B5EF4-FFF2-40B4-BE49-F238E27FC236}">
-                <a16:creationId xmlns:a16="http://schemas.microsoft.com/office/drawing/2014/main" id="{4A63413C-7F6F-4479-A473-81F3FF2DDE73}"/>
-              </a:ext>
-            </a:extLst>
-          </p:cNvPr>
-          <p:cNvSpPr/>
-          <p:nvPr/>
-        </p:nvSpPr>
-        <p:spPr>
-          <a:xfrm>
-            <a:off x="8855102" y="2262903"/>
-            <a:ext cx="1556183" cy="670181"/>
-          </a:xfrm>
-          <a:prstGeom prst="roundRect">
-            <a:avLst/>
-          </a:prstGeom>
-        </p:spPr>
-        <p:style>
-          <a:lnRef idx="2">
-            <a:schemeClr val="accent1"/>
-          </a:lnRef>
-          <a:fillRef idx="1">
-            <a:schemeClr val="lt1"/>
-          </a:fillRef>
-          <a:effectRef idx="0">
-            <a:schemeClr val="accent1"/>
-          </a:effectRef>
-          <a:fontRef idx="minor">
-            <a:schemeClr val="dk1"/>
-          </a:fontRef>
-        </p:style>
-        <p:txBody>
-          <a:bodyPr rtlCol="0" anchor="ctr"/>
-          <a:lstStyle/>
-          <a:p>
-            <a:pPr algn="ctr"/>
-            <a:r>
-              <a:rPr lang="en-US" altLang="zh-CN" dirty="0"/>
-              <a:t>main.js</a:t>
-            </a:r>
-            <a:endParaRPr lang="en-US" dirty="0"/>
-          </a:p>
-        </p:txBody>
-      </p:sp>
-      <p:sp>
-        <p:nvSpPr>
-          <p:cNvPr id="7" name="Arrow: Right 6">
-            <a:extLst>
-              <a:ext uri="{FF2B5EF4-FFF2-40B4-BE49-F238E27FC236}">
-                <a16:creationId xmlns:a16="http://schemas.microsoft.com/office/drawing/2014/main" id="{97FF81BA-27C4-4420-9E48-ED98B635943C}"/>
-              </a:ext>
-            </a:extLst>
-          </p:cNvPr>
-          <p:cNvSpPr/>
-          <p:nvPr/>
-        </p:nvSpPr>
-        <p:spPr>
-          <a:xfrm rot="3578720">
-            <a:off x="10429744" y="2730226"/>
-            <a:ext cx="579310" cy="227181"/>
-          </a:xfrm>
-          <a:prstGeom prst="rightArrow">
-            <a:avLst/>
-          </a:prstGeom>
-        </p:spPr>
-        <p:style>
-          <a:lnRef idx="2">
-            <a:schemeClr val="accent1">
-              <a:shade val="50000"/>
-            </a:schemeClr>
-          </a:lnRef>
-          <a:fillRef idx="1">
-            <a:schemeClr val="accent1"/>
-          </a:fillRef>
-          <a:effectRef idx="0">
-            <a:schemeClr val="accent1"/>
-          </a:effectRef>
-          <a:fontRef idx="minor">
-            <a:schemeClr val="lt1"/>
-          </a:fontRef>
-        </p:style>
-        <p:txBody>
-          <a:bodyPr rtlCol="0" anchor="ctr"/>
-          <a:lstStyle/>
-          <a:p>
-            <a:pPr algn="ctr"/>
-            <a:endParaRPr lang="en-US"/>
-          </a:p>
-        </p:txBody>
-      </p:sp>
-      <p:sp>
-        <p:nvSpPr>
-          <p:cNvPr id="8" name="Rectangle: Rounded Corners 7">
-            <a:extLst>
-              <a:ext uri="{FF2B5EF4-FFF2-40B4-BE49-F238E27FC236}">
-                <a16:creationId xmlns:a16="http://schemas.microsoft.com/office/drawing/2014/main" id="{DF7B05ED-A7E3-4FDF-8F7A-EC9D03E2225A}"/>
-              </a:ext>
-            </a:extLst>
-          </p:cNvPr>
-          <p:cNvSpPr/>
-          <p:nvPr/>
-        </p:nvSpPr>
-        <p:spPr>
-          <a:xfrm>
-            <a:off x="10100332" y="3270861"/>
-            <a:ext cx="1556183" cy="1556999"/>
-          </a:xfrm>
-          <a:prstGeom prst="roundRect">
-            <a:avLst/>
-          </a:prstGeom>
-        </p:spPr>
-        <p:style>
-          <a:lnRef idx="2">
-            <a:schemeClr val="accent1"/>
-          </a:lnRef>
-          <a:fillRef idx="1">
-            <a:schemeClr val="lt1"/>
-          </a:fillRef>
-          <a:effectRef idx="0">
-            <a:schemeClr val="accent1"/>
-          </a:effectRef>
-          <a:fontRef idx="minor">
-            <a:schemeClr val="dk1"/>
-          </a:fontRef>
-        </p:style>
-        <p:txBody>
-          <a:bodyPr rtlCol="0" anchor="ctr"/>
-          <a:lstStyle/>
-          <a:p>
-            <a:pPr algn="ctr"/>
-            <a:r>
-              <a:rPr lang="zh-CN" altLang="en-US" dirty="0"/>
-              <a:t>把</a:t>
-            </a:r>
-            <a:r>
-              <a:rPr lang="en-US" altLang="zh-CN" dirty="0" err="1"/>
-              <a:t>App.vue</a:t>
-            </a:r>
-            <a:r>
-              <a:rPr lang="zh-CN" altLang="en-US" dirty="0"/>
-              <a:t>抓過來，將它實體化，并且爲它加了一些外挂</a:t>
-            </a:r>
-            <a:endParaRPr lang="en-US" dirty="0"/>
-          </a:p>
-        </p:txBody>
-      </p:sp>
-      <p:sp>
-        <p:nvSpPr>
-          <p:cNvPr id="9" name="Arrow: Right 8">
-            <a:extLst>
-              <a:ext uri="{FF2B5EF4-FFF2-40B4-BE49-F238E27FC236}">
-                <a16:creationId xmlns:a16="http://schemas.microsoft.com/office/drawing/2014/main" id="{31AD2AA4-DED9-4558-9550-81C7A5D32830}"/>
-              </a:ext>
-            </a:extLst>
-          </p:cNvPr>
-          <p:cNvSpPr/>
-          <p:nvPr/>
-        </p:nvSpPr>
-        <p:spPr>
-          <a:xfrm rot="12289703">
-            <a:off x="7498381" y="3656163"/>
-            <a:ext cx="2431998" cy="227181"/>
-          </a:xfrm>
-          <a:prstGeom prst="rightArrow">
-            <a:avLst/>
-          </a:prstGeom>
-        </p:spPr>
-        <p:style>
-          <a:lnRef idx="2">
-            <a:schemeClr val="accent1">
-              <a:shade val="50000"/>
-            </a:schemeClr>
-          </a:lnRef>
-          <a:fillRef idx="1">
-            <a:schemeClr val="accent1"/>
-          </a:fillRef>
-          <a:effectRef idx="0">
-            <a:schemeClr val="accent1"/>
-          </a:effectRef>
-          <a:fontRef idx="minor">
-            <a:schemeClr val="lt1"/>
-          </a:fontRef>
-        </p:style>
-        <p:txBody>
-          <a:bodyPr rtlCol="0" anchor="ctr"/>
-          <a:lstStyle/>
-          <a:p>
-            <a:pPr algn="ctr"/>
-            <a:endParaRPr lang="en-US"/>
-          </a:p>
-        </p:txBody>
-      </p:sp>
-      <p:sp>
-        <p:nvSpPr>
-          <p:cNvPr id="10" name="TextBox 9">
-            <a:extLst>
-              <a:ext uri="{FF2B5EF4-FFF2-40B4-BE49-F238E27FC236}">
-                <a16:creationId xmlns:a16="http://schemas.microsoft.com/office/drawing/2014/main" id="{738BF25A-2FF0-48A5-BA8B-856F1D39BE6B}"/>
-              </a:ext>
-            </a:extLst>
-          </p:cNvPr>
-          <p:cNvSpPr txBox="1"/>
-          <p:nvPr/>
-        </p:nvSpPr>
-        <p:spPr>
-          <a:xfrm>
-            <a:off x="7254902" y="3841169"/>
-            <a:ext cx="2302602" cy="738664"/>
-          </a:xfrm>
-          <a:prstGeom prst="rect">
-            <a:avLst/>
-          </a:prstGeom>
-          <a:noFill/>
-        </p:spPr>
-        <p:txBody>
-          <a:bodyPr wrap="square" rtlCol="0">
-            <a:spAutoFit/>
-          </a:bodyPr>
-          <a:lstStyle/>
-          <a:p>
-            <a:r>
-              <a:rPr lang="zh-CN" altLang="en-US" sz="1400" dirty="0"/>
-              <a:t>透過</a:t>
-            </a:r>
-            <a:r>
-              <a:rPr lang="en-US" sz="1400" b="0" dirty="0" err="1">
-                <a:solidFill>
-                  <a:srgbClr val="A6ACCD"/>
-                </a:solidFill>
-                <a:effectLst/>
-                <a:latin typeface="Source Code Pro SemiBold" panose="020B0309030403020204" pitchFamily="49" charset="0"/>
-              </a:rPr>
-              <a:t>app</a:t>
-            </a:r>
-            <a:r>
-              <a:rPr lang="en-US" sz="1400" b="0" dirty="0" err="1">
-                <a:solidFill>
-                  <a:srgbClr val="89DDFF"/>
-                </a:solidFill>
-                <a:effectLst/>
-                <a:latin typeface="Source Code Pro SemiBold" panose="020B0309030403020204" pitchFamily="49" charset="0"/>
-              </a:rPr>
-              <a:t>.</a:t>
-            </a:r>
-            <a:r>
-              <a:rPr lang="en-US" sz="1400" b="0" dirty="0" err="1">
-                <a:solidFill>
-                  <a:srgbClr val="82AAFF"/>
-                </a:solidFill>
-                <a:effectLst/>
-                <a:latin typeface="Source Code Pro SemiBold" panose="020B0309030403020204" pitchFamily="49" charset="0"/>
-              </a:rPr>
-              <a:t>mount</a:t>
-            </a:r>
-            <a:r>
-              <a:rPr lang="en-US" sz="1400" b="0" dirty="0">
-                <a:solidFill>
-                  <a:srgbClr val="A6ACCD"/>
-                </a:solidFill>
-                <a:effectLst/>
-                <a:latin typeface="Source Code Pro SemiBold" panose="020B0309030403020204" pitchFamily="49" charset="0"/>
-              </a:rPr>
-              <a:t>(</a:t>
-            </a:r>
-            <a:r>
-              <a:rPr lang="en-US" sz="1400" b="0" dirty="0">
-                <a:solidFill>
-                  <a:srgbClr val="89DDFF"/>
-                </a:solidFill>
-                <a:effectLst/>
-                <a:latin typeface="Source Code Pro SemiBold" panose="020B0309030403020204" pitchFamily="49" charset="0"/>
-              </a:rPr>
-              <a:t>'</a:t>
-            </a:r>
-            <a:r>
-              <a:rPr lang="en-US" sz="1400" b="0" dirty="0">
-                <a:solidFill>
-                  <a:srgbClr val="C3E88D"/>
-                </a:solidFill>
-                <a:effectLst/>
-                <a:latin typeface="Source Code Pro SemiBold" panose="020B0309030403020204" pitchFamily="49" charset="0"/>
-              </a:rPr>
-              <a:t>#app</a:t>
-            </a:r>
-            <a:r>
-              <a:rPr lang="en-US" sz="1400" b="0" dirty="0">
-                <a:solidFill>
-                  <a:srgbClr val="89DDFF"/>
-                </a:solidFill>
-                <a:effectLst/>
-                <a:latin typeface="Source Code Pro SemiBold" panose="020B0309030403020204" pitchFamily="49" charset="0"/>
-              </a:rPr>
-              <a:t>'</a:t>
-            </a:r>
-            <a:r>
-              <a:rPr lang="en-US" sz="1400" b="0" dirty="0">
-                <a:solidFill>
-                  <a:srgbClr val="A6ACCD"/>
-                </a:solidFill>
-                <a:effectLst/>
-                <a:latin typeface="Source Code Pro SemiBold" panose="020B0309030403020204" pitchFamily="49" charset="0"/>
-              </a:rPr>
-              <a:t>)</a:t>
-            </a:r>
-          </a:p>
-          <a:p>
-            <a:r>
-              <a:rPr lang="zh-CN" altLang="en-US" sz="1400" dirty="0"/>
-              <a:t>挂載到</a:t>
-            </a:r>
-            <a:r>
-              <a:rPr lang="en-US" altLang="zh-CN" sz="1400" dirty="0"/>
-              <a:t>index.html</a:t>
-            </a:r>
-            <a:r>
-              <a:rPr lang="zh-CN" altLang="en-US" sz="1400" dirty="0"/>
-              <a:t>的</a:t>
-            </a:r>
-            <a:r>
-              <a:rPr lang="en-US" altLang="zh-CN" sz="1400" dirty="0"/>
-              <a:t>div</a:t>
-            </a:r>
-            <a:r>
-              <a:rPr lang="zh-CN" altLang="en-US" sz="1400" dirty="0"/>
-              <a:t>上面</a:t>
-            </a:r>
-            <a:endParaRPr lang="en-US" sz="1400" dirty="0"/>
-          </a:p>
-        </p:txBody>
-      </p:sp>
-      <p:sp>
-        <p:nvSpPr>
-          <p:cNvPr id="11" name="TextBox 10">
-            <a:extLst>
-              <a:ext uri="{FF2B5EF4-FFF2-40B4-BE49-F238E27FC236}">
-                <a16:creationId xmlns:a16="http://schemas.microsoft.com/office/drawing/2014/main" id="{028F53AB-DA86-44C7-9A9D-202B66DB921C}"/>
-              </a:ext>
-            </a:extLst>
-          </p:cNvPr>
-          <p:cNvSpPr txBox="1"/>
-          <p:nvPr/>
-        </p:nvSpPr>
-        <p:spPr>
-          <a:xfrm>
-            <a:off x="6440556" y="1738396"/>
-            <a:ext cx="814346" cy="368700"/>
-          </a:xfrm>
-          <a:prstGeom prst="rect">
-            <a:avLst/>
-          </a:prstGeom>
-          <a:noFill/>
-        </p:spPr>
-        <p:txBody>
-          <a:bodyPr wrap="square" rtlCol="0">
-            <a:spAutoFit/>
-          </a:bodyPr>
-          <a:lstStyle/>
-          <a:p>
-            <a:r>
-              <a:rPr lang="en-US" dirty="0"/>
-              <a:t>1</a:t>
-            </a:r>
-          </a:p>
-        </p:txBody>
-      </p:sp>
-      <p:sp>
-        <p:nvSpPr>
-          <p:cNvPr id="12" name="TextBox 11">
-            <a:extLst>
-              <a:ext uri="{FF2B5EF4-FFF2-40B4-BE49-F238E27FC236}">
-                <a16:creationId xmlns:a16="http://schemas.microsoft.com/office/drawing/2014/main" id="{FDE2897D-C048-42E7-95E1-A51AE01576E6}"/>
-              </a:ext>
-            </a:extLst>
-          </p:cNvPr>
-          <p:cNvSpPr txBox="1"/>
-          <p:nvPr/>
-        </p:nvSpPr>
-        <p:spPr>
-          <a:xfrm>
-            <a:off x="9207610" y="1852654"/>
-            <a:ext cx="814346" cy="369332"/>
-          </a:xfrm>
-          <a:prstGeom prst="rect">
-            <a:avLst/>
-          </a:prstGeom>
-          <a:noFill/>
-        </p:spPr>
-        <p:txBody>
-          <a:bodyPr wrap="square" rtlCol="0">
-            <a:spAutoFit/>
-          </a:bodyPr>
-          <a:lstStyle/>
-          <a:p>
-            <a:r>
-              <a:rPr lang="en-US" dirty="0"/>
-              <a:t>2</a:t>
-            </a:r>
-          </a:p>
-        </p:txBody>
-      </p:sp>
-      <p:sp>
-        <p:nvSpPr>
-          <p:cNvPr id="13" name="TextBox 12">
-            <a:extLst>
-              <a:ext uri="{FF2B5EF4-FFF2-40B4-BE49-F238E27FC236}">
-                <a16:creationId xmlns:a16="http://schemas.microsoft.com/office/drawing/2014/main" id="{359254DB-1D97-40BA-8E65-C118DF3032FA}"/>
-              </a:ext>
-            </a:extLst>
-          </p:cNvPr>
-          <p:cNvSpPr txBox="1"/>
-          <p:nvPr/>
-        </p:nvSpPr>
-        <p:spPr>
-          <a:xfrm>
-            <a:off x="10551381" y="4937760"/>
-            <a:ext cx="1176793" cy="369332"/>
-          </a:xfrm>
-          <a:prstGeom prst="rect">
-            <a:avLst/>
-          </a:prstGeom>
-          <a:noFill/>
-        </p:spPr>
-        <p:txBody>
-          <a:bodyPr wrap="square" rtlCol="0">
-            <a:spAutoFit/>
-          </a:bodyPr>
-          <a:lstStyle/>
-          <a:p>
-            <a:r>
-              <a:rPr lang="en-US" dirty="0"/>
-              <a:t>3</a:t>
-            </a:r>
-          </a:p>
-        </p:txBody>
-      </p:sp>
-      <p:sp>
-        <p:nvSpPr>
-          <p:cNvPr id="14" name="TextBox 13">
-            <a:extLst>
-              <a:ext uri="{FF2B5EF4-FFF2-40B4-BE49-F238E27FC236}">
-                <a16:creationId xmlns:a16="http://schemas.microsoft.com/office/drawing/2014/main" id="{3699173C-A8C5-4774-B362-976F8B43DCD7}"/>
-              </a:ext>
-            </a:extLst>
-          </p:cNvPr>
-          <p:cNvSpPr txBox="1"/>
-          <p:nvPr/>
-        </p:nvSpPr>
-        <p:spPr>
-          <a:xfrm>
-            <a:off x="6361043" y="3061252"/>
-            <a:ext cx="1097280" cy="371407"/>
-          </a:xfrm>
-          <a:prstGeom prst="rect">
-            <a:avLst/>
-          </a:prstGeom>
-          <a:noFill/>
-        </p:spPr>
-        <p:txBody>
-          <a:bodyPr wrap="square" rtlCol="0">
-            <a:spAutoFit/>
-          </a:bodyPr>
-          <a:lstStyle/>
-          <a:p>
-            <a:r>
-              <a:rPr lang="en-US" dirty="0"/>
-              <a:t>4</a:t>
-            </a:r>
-          </a:p>
-        </p:txBody>
-      </p:sp>
-      <p:sp>
-        <p:nvSpPr>
-          <p:cNvPr id="15" name="Rectangle: Rounded Corners 14">
-            <a:extLst>
-              <a:ext uri="{FF2B5EF4-FFF2-40B4-BE49-F238E27FC236}">
-                <a16:creationId xmlns:a16="http://schemas.microsoft.com/office/drawing/2014/main" id="{438D7ACF-B633-485F-9969-E7C2581D129F}"/>
-              </a:ext>
-            </a:extLst>
-          </p:cNvPr>
-          <p:cNvSpPr/>
-          <p:nvPr/>
-        </p:nvSpPr>
-        <p:spPr>
-          <a:xfrm>
-            <a:off x="5637475" y="1526651"/>
-            <a:ext cx="6164911" cy="4619707"/>
-          </a:xfrm>
-          <a:prstGeom prst="roundRect">
-            <a:avLst/>
-          </a:prstGeom>
-          <a:noFill/>
-          <a:ln>
-            <a:solidFill>
-              <a:srgbClr val="FF0000"/>
-            </a:solidFill>
-          </a:ln>
-        </p:spPr>
-        <p:style>
-          <a:lnRef idx="2">
-            <a:schemeClr val="accent1">
-              <a:shade val="50000"/>
-            </a:schemeClr>
-          </a:lnRef>
-          <a:fillRef idx="1">
-            <a:schemeClr val="accent1"/>
-          </a:fillRef>
-          <a:effectRef idx="0">
-            <a:schemeClr val="accent1"/>
-          </a:effectRef>
-          <a:fontRef idx="minor">
-            <a:schemeClr val="lt1"/>
-          </a:fontRef>
-        </p:style>
-        <p:txBody>
-          <a:bodyPr rtlCol="0" anchor="ctr"/>
-          <a:lstStyle/>
-          <a:p>
-            <a:pPr algn="ctr"/>
-            <a:endParaRPr lang="en-US"/>
-          </a:p>
-        </p:txBody>
-      </p:sp>
-      <p:sp>
-        <p:nvSpPr>
-          <p:cNvPr id="16" name="TextBox 15">
-            <a:extLst>
-              <a:ext uri="{FF2B5EF4-FFF2-40B4-BE49-F238E27FC236}">
-                <a16:creationId xmlns:a16="http://schemas.microsoft.com/office/drawing/2014/main" id="{E6871A7D-C9D2-48C2-BE77-08AFC51C0911}"/>
-              </a:ext>
-            </a:extLst>
-          </p:cNvPr>
-          <p:cNvSpPr txBox="1"/>
-          <p:nvPr/>
-        </p:nvSpPr>
-        <p:spPr>
-          <a:xfrm>
-            <a:off x="6737888" y="1208483"/>
-            <a:ext cx="4420926" cy="369332"/>
-          </a:xfrm>
-          <a:prstGeom prst="rect">
-            <a:avLst/>
-          </a:prstGeom>
-          <a:noFill/>
-        </p:spPr>
-        <p:txBody>
-          <a:bodyPr wrap="square" rtlCol="0">
-            <a:spAutoFit/>
-          </a:bodyPr>
-          <a:lstStyle/>
-          <a:p>
-            <a:r>
-              <a:rPr lang="zh-CN" altLang="en-US" dirty="0"/>
-              <a:t>這整個是一個進入到</a:t>
-            </a:r>
-            <a:r>
-              <a:rPr lang="en-US" altLang="zh-CN" dirty="0"/>
-              <a:t>Vue</a:t>
-            </a:r>
-            <a:r>
-              <a:rPr lang="zh-CN" altLang="en-US" dirty="0"/>
-              <a:t>的進入點而已</a:t>
-            </a:r>
-            <a:endParaRPr lang="en-US" dirty="0"/>
-          </a:p>
-        </p:txBody>
-      </p:sp>
-      <p:sp>
-        <p:nvSpPr>
-          <p:cNvPr id="17" name="Arrow: Left 16">
-            <a:extLst>
-              <a:ext uri="{FF2B5EF4-FFF2-40B4-BE49-F238E27FC236}">
-                <a16:creationId xmlns:a16="http://schemas.microsoft.com/office/drawing/2014/main" id="{3FD296F4-DA08-4163-80C2-FDB1323E3C2C}"/>
-              </a:ext>
-            </a:extLst>
-          </p:cNvPr>
-          <p:cNvSpPr/>
-          <p:nvPr/>
-        </p:nvSpPr>
-        <p:spPr>
-          <a:xfrm rot="20460818">
-            <a:off x="4643665" y="2540011"/>
-            <a:ext cx="850412" cy="827883"/>
-          </a:xfrm>
-          <a:prstGeom prst="leftArrow">
-            <a:avLst/>
-          </a:prstGeom>
-        </p:spPr>
-        <p:style>
-          <a:lnRef idx="2">
-            <a:schemeClr val="accent1">
-              <a:shade val="50000"/>
-            </a:schemeClr>
-          </a:lnRef>
-          <a:fillRef idx="1">
-            <a:schemeClr val="accent1"/>
-          </a:fillRef>
-          <a:effectRef idx="0">
-            <a:schemeClr val="accent1"/>
-          </a:effectRef>
-          <a:fontRef idx="minor">
-            <a:schemeClr val="lt1"/>
-          </a:fontRef>
-        </p:style>
-        <p:txBody>
-          <a:bodyPr rtlCol="0" anchor="ctr"/>
-          <a:lstStyle/>
-          <a:p>
-            <a:pPr algn="ctr"/>
-            <a:endParaRPr lang="en-US"/>
-          </a:p>
-        </p:txBody>
-      </p:sp>
-      <p:sp>
-        <p:nvSpPr>
-          <p:cNvPr id="18" name="Rectangle: Rounded Corners 17">
-            <a:extLst>
-              <a:ext uri="{FF2B5EF4-FFF2-40B4-BE49-F238E27FC236}">
-                <a16:creationId xmlns:a16="http://schemas.microsoft.com/office/drawing/2014/main" id="{8EC1C846-6B06-4DB0-A4CE-14CA63C74887}"/>
-              </a:ext>
-            </a:extLst>
-          </p:cNvPr>
-          <p:cNvSpPr/>
-          <p:nvPr/>
-        </p:nvSpPr>
-        <p:spPr>
-          <a:xfrm>
-            <a:off x="1279854" y="2536466"/>
-            <a:ext cx="3029566" cy="1950742"/>
-          </a:xfrm>
-          <a:prstGeom prst="roundRect">
-            <a:avLst/>
-          </a:prstGeom>
-          <a:noFill/>
-          <a:ln>
-            <a:solidFill>
-              <a:srgbClr val="FF0000"/>
-            </a:solidFill>
-          </a:ln>
-        </p:spPr>
-        <p:style>
-          <a:lnRef idx="2">
-            <a:schemeClr val="accent1">
-              <a:shade val="50000"/>
-            </a:schemeClr>
-          </a:lnRef>
-          <a:fillRef idx="1">
-            <a:schemeClr val="accent1"/>
-          </a:fillRef>
-          <a:effectRef idx="0">
-            <a:schemeClr val="accent1"/>
-          </a:effectRef>
-          <a:fontRef idx="minor">
-            <a:schemeClr val="lt1"/>
-          </a:fontRef>
-        </p:style>
-        <p:txBody>
-          <a:bodyPr rtlCol="0" anchor="ctr"/>
-          <a:lstStyle/>
-          <a:p>
-            <a:pPr algn="ctr"/>
-            <a:endParaRPr lang="en-US"/>
-          </a:p>
-        </p:txBody>
-      </p:sp>
-      <p:sp>
-        <p:nvSpPr>
-          <p:cNvPr id="19" name="TextBox 18">
-            <a:extLst>
-              <a:ext uri="{FF2B5EF4-FFF2-40B4-BE49-F238E27FC236}">
-                <a16:creationId xmlns:a16="http://schemas.microsoft.com/office/drawing/2014/main" id="{319FF1C7-FAF5-4F63-A325-366EB1FD9F8D}"/>
-              </a:ext>
-            </a:extLst>
-          </p:cNvPr>
-          <p:cNvSpPr txBox="1"/>
-          <p:nvPr/>
-        </p:nvSpPr>
-        <p:spPr>
-          <a:xfrm>
-            <a:off x="1647494" y="3302586"/>
-            <a:ext cx="2834078" cy="369332"/>
-          </a:xfrm>
-          <a:prstGeom prst="rect">
-            <a:avLst/>
-          </a:prstGeom>
-          <a:noFill/>
-        </p:spPr>
-        <p:txBody>
-          <a:bodyPr wrap="square" rtlCol="0">
-            <a:spAutoFit/>
-          </a:bodyPr>
-          <a:lstStyle/>
-          <a:p>
-            <a:r>
-              <a:rPr lang="zh-CN" altLang="en-US" dirty="0"/>
-              <a:t>進入到</a:t>
-            </a:r>
-            <a:r>
-              <a:rPr lang="en-US" altLang="zh-CN" dirty="0"/>
-              <a:t>Router</a:t>
-            </a:r>
-            <a:r>
-              <a:rPr lang="zh-CN" altLang="en-US" dirty="0"/>
-              <a:t>的世界</a:t>
-            </a:r>
-            <a:endParaRPr lang="en-US" dirty="0"/>
-          </a:p>
-        </p:txBody>
-      </p:sp>
-    </p:spTree>
-    <p:extLst>
-      <p:ext uri="{BB962C8B-B14F-4D97-AF65-F5344CB8AC3E}">
-        <p14:creationId xmlns:p14="http://schemas.microsoft.com/office/powerpoint/2010/main" val="3510709678"/>
-      </p:ext>
-    </p:extLst>
-  </p:cSld>
-  <p:clrMapOvr>
-    <a:masterClrMapping/>
-  </p:clrMapOvr>
-</p:sld>
-</file>
-
-<file path=ppt/slides/slide4.xml><?xml version="1.0" encoding="utf-8"?>
-<p:sld xmlns:a="http://schemas.openxmlformats.org/drawingml/2006/main" xmlns:r="http://schemas.openxmlformats.org/officeDocument/2006/relationships" xmlns:p="http://schemas.openxmlformats.org/presentationml/2006/main">
-  <p:cSld>
-    <p:spTree>
-      <p:nvGrpSpPr>
-        <p:cNvPr id="1" name=""/>
-        <p:cNvGrpSpPr/>
-        <p:nvPr/>
-      </p:nvGrpSpPr>
-      <p:grpSpPr>
-        <a:xfrm>
-          <a:off x="0" y="0"/>
-          <a:ext cx="0" cy="0"/>
-          <a:chOff x="0" y="0"/>
-          <a:chExt cx="0" cy="0"/>
-        </a:xfrm>
-      </p:grpSpPr>
-      <p:sp>
-        <p:nvSpPr>
-          <p:cNvPr id="2" name="Title 1">
-            <a:extLst>
-              <a:ext uri="{FF2B5EF4-FFF2-40B4-BE49-F238E27FC236}">
                 <a16:creationId xmlns:a16="http://schemas.microsoft.com/office/drawing/2014/main" id="{D7F6534F-E053-440D-8906-E3BF8B091A14}"/>
               </a:ext>
             </a:extLst>
@@ -5937,7 +5856,7 @@
 </p:sld>
 </file>
 
-<file path=ppt/slides/slide5.xml><?xml version="1.0" encoding="utf-8"?>
+<file path=ppt/slides/slide4.xml><?xml version="1.0" encoding="utf-8"?>
 <p:sld xmlns:a="http://schemas.openxmlformats.org/drawingml/2006/main" xmlns:r="http://schemas.openxmlformats.org/officeDocument/2006/relationships" xmlns:p="http://schemas.openxmlformats.org/presentationml/2006/main">
   <p:cSld>
     <p:spTree>
